--- a/pt/ProgrammingLessons/ForceSensor.pptx
+++ b/pt/ProgrammingLessons/ForceSensor.pptx
@@ -135,6 +135,230 @@
 </p:presentation>
 </file>
 
+<file path=ppt/revisionInfo.xml><?xml version="1.0" encoding="utf-8"?>
+<p1510:revInfo xmlns:a="http://schemas.openxmlformats.org/drawingml/2006/main" xmlns:r="http://schemas.openxmlformats.org/officeDocument/2006/relationships" xmlns:p1510="http://schemas.microsoft.com/office/powerpoint/2015/10/main">
+  <p1510:revLst>
+    <p1510:client id="{37413039-4E80-4A2E-AC95-8ACC4D2A7E49}" v="5" dt="2020-07-12T23:52:13.987"/>
+  </p1510:revLst>
+</p1510:revInfo>
+</file>
+
+<file path=ppt/changesInfos/changesInfo1.xml><?xml version="1.0" encoding="utf-8"?>
+<pc:chgInfo xmlns:a="http://schemas.openxmlformats.org/drawingml/2006/main" xmlns:r="http://schemas.openxmlformats.org/officeDocument/2006/relationships" xmlns:ac="http://schemas.microsoft.com/office/drawing/2013/main/command" xmlns:pc="http://schemas.microsoft.com/office/powerpoint/2013/main/command">
+  <pc:docChgLst>
+    <pc:chgData name="Anderson Harayashiki Moreira" userId="07ffc975ff648281" providerId="LiveId" clId="{37413039-4E80-4A2E-AC95-8ACC4D2A7E49}"/>
+    <pc:docChg chg="custSel modSld">
+      <pc:chgData name="Anderson Harayashiki Moreira" userId="07ffc975ff648281" providerId="LiveId" clId="{37413039-4E80-4A2E-AC95-8ACC4D2A7E49}" dt="2020-07-12T23:52:13.987" v="256"/>
+      <pc:docMkLst>
+        <pc:docMk/>
+      </pc:docMkLst>
+      <pc:sldChg chg="addSp delSp">
+        <pc:chgData name="Anderson Harayashiki Moreira" userId="07ffc975ff648281" providerId="LiveId" clId="{37413039-4E80-4A2E-AC95-8ACC4D2A7E49}" dt="2020-07-12T23:52:13.987" v="256"/>
+        <pc:sldMkLst>
+          <pc:docMk/>
+          <pc:sldMk cId="675085363" sldId="257"/>
+        </pc:sldMkLst>
+        <pc:spChg chg="del">
+          <ac:chgData name="Anderson Harayashiki Moreira" userId="07ffc975ff648281" providerId="LiveId" clId="{37413039-4E80-4A2E-AC95-8ACC4D2A7E49}" dt="2020-07-12T23:52:13.281" v="255" actId="478"/>
+          <ac:spMkLst>
+            <pc:docMk/>
+            <pc:sldMk cId="675085363" sldId="257"/>
+            <ac:spMk id="4" creationId="{00000000-0000-0000-0000-000000000000}"/>
+          </ac:spMkLst>
+        </pc:spChg>
+        <pc:spChg chg="add">
+          <ac:chgData name="Anderson Harayashiki Moreira" userId="07ffc975ff648281" providerId="LiveId" clId="{37413039-4E80-4A2E-AC95-8ACC4D2A7E49}" dt="2020-07-12T23:52:13.987" v="256"/>
+          <ac:spMkLst>
+            <pc:docMk/>
+            <pc:sldMk cId="675085363" sldId="257"/>
+            <ac:spMk id="8" creationId="{C2590F64-F164-4F61-B998-4DC9B2F7B6BD}"/>
+          </ac:spMkLst>
+        </pc:spChg>
+      </pc:sldChg>
+      <pc:sldChg chg="addSp delSp modSp">
+        <pc:chgData name="Anderson Harayashiki Moreira" userId="07ffc975ff648281" providerId="LiveId" clId="{37413039-4E80-4A2E-AC95-8ACC4D2A7E49}" dt="2020-07-12T23:52:10.773" v="254"/>
+        <pc:sldMkLst>
+          <pc:docMk/>
+          <pc:sldMk cId="2101563819" sldId="282"/>
+        </pc:sldMkLst>
+        <pc:spChg chg="del">
+          <ac:chgData name="Anderson Harayashiki Moreira" userId="07ffc975ff648281" providerId="LiveId" clId="{37413039-4E80-4A2E-AC95-8ACC4D2A7E49}" dt="2020-07-12T23:52:10.102" v="253" actId="478"/>
+          <ac:spMkLst>
+            <pc:docMk/>
+            <pc:sldMk cId="2101563819" sldId="282"/>
+            <ac:spMk id="4" creationId="{5D537FE9-7847-4B91-95F5-564B8DEECEDF}"/>
+          </ac:spMkLst>
+        </pc:spChg>
+        <pc:spChg chg="add">
+          <ac:chgData name="Anderson Harayashiki Moreira" userId="07ffc975ff648281" providerId="LiveId" clId="{37413039-4E80-4A2E-AC95-8ACC4D2A7E49}" dt="2020-07-12T23:52:10.773" v="254"/>
+          <ac:spMkLst>
+            <pc:docMk/>
+            <pc:sldMk cId="2101563819" sldId="282"/>
+            <ac:spMk id="9" creationId="{41A13F4F-E86D-4E08-81F9-C92C692167F0}"/>
+          </ac:spMkLst>
+        </pc:spChg>
+        <pc:spChg chg="mod">
+          <ac:chgData name="Anderson Harayashiki Moreira" userId="07ffc975ff648281" providerId="LiveId" clId="{37413039-4E80-4A2E-AC95-8ACC4D2A7E49}" dt="2020-07-12T23:46:51.840" v="1" actId="20577"/>
+          <ac:spMkLst>
+            <pc:docMk/>
+            <pc:sldMk cId="2101563819" sldId="282"/>
+            <ac:spMk id="13" creationId="{D26EA95B-5BBE-4D2F-881C-EC2D7679C66A}"/>
+          </ac:spMkLst>
+        </pc:spChg>
+      </pc:sldChg>
+      <pc:sldChg chg="addSp delSp modSp">
+        <pc:chgData name="Anderson Harayashiki Moreira" userId="07ffc975ff648281" providerId="LiveId" clId="{37413039-4E80-4A2E-AC95-8ACC4D2A7E49}" dt="2020-07-12T23:52:08.097" v="252"/>
+        <pc:sldMkLst>
+          <pc:docMk/>
+          <pc:sldMk cId="1778694702" sldId="283"/>
+        </pc:sldMkLst>
+        <pc:spChg chg="mod">
+          <ac:chgData name="Anderson Harayashiki Moreira" userId="07ffc975ff648281" providerId="LiveId" clId="{37413039-4E80-4A2E-AC95-8ACC4D2A7E49}" dt="2020-07-12T23:48:43.458" v="86" actId="123"/>
+          <ac:spMkLst>
+            <pc:docMk/>
+            <pc:sldMk cId="1778694702" sldId="283"/>
+            <ac:spMk id="3" creationId="{F7C09D69-8080-49F0-83A7-CE01031A9448}"/>
+          </ac:spMkLst>
+        </pc:spChg>
+        <pc:spChg chg="del">
+          <ac:chgData name="Anderson Harayashiki Moreira" userId="07ffc975ff648281" providerId="LiveId" clId="{37413039-4E80-4A2E-AC95-8ACC4D2A7E49}" dt="2020-07-12T23:52:07.508" v="251" actId="478"/>
+          <ac:spMkLst>
+            <pc:docMk/>
+            <pc:sldMk cId="1778694702" sldId="283"/>
+            <ac:spMk id="4" creationId="{0CED42F2-83E1-4B1D-AF71-E324E7695CA8}"/>
+          </ac:spMkLst>
+        </pc:spChg>
+        <pc:spChg chg="add">
+          <ac:chgData name="Anderson Harayashiki Moreira" userId="07ffc975ff648281" providerId="LiveId" clId="{37413039-4E80-4A2E-AC95-8ACC4D2A7E49}" dt="2020-07-12T23:52:08.097" v="252"/>
+          <ac:spMkLst>
+            <pc:docMk/>
+            <pc:sldMk cId="1778694702" sldId="283"/>
+            <ac:spMk id="7" creationId="{384928D4-A59C-4528-96DC-418825842B7F}"/>
+          </ac:spMkLst>
+        </pc:spChg>
+      </pc:sldChg>
+      <pc:sldChg chg="addSp delSp modSp">
+        <pc:chgData name="Anderson Harayashiki Moreira" userId="07ffc975ff648281" providerId="LiveId" clId="{37413039-4E80-4A2E-AC95-8ACC4D2A7E49}" dt="2020-07-12T23:52:05.630" v="250"/>
+        <pc:sldMkLst>
+          <pc:docMk/>
+          <pc:sldMk cId="2608068940" sldId="284"/>
+        </pc:sldMkLst>
+        <pc:spChg chg="mod">
+          <ac:chgData name="Anderson Harayashiki Moreira" userId="07ffc975ff648281" providerId="LiveId" clId="{37413039-4E80-4A2E-AC95-8ACC4D2A7E49}" dt="2020-07-12T23:49:23.880" v="90" actId="313"/>
+          <ac:spMkLst>
+            <pc:docMk/>
+            <pc:sldMk cId="2608068940" sldId="284"/>
+            <ac:spMk id="3" creationId="{885ECDA4-F61B-43CC-8476-7FAC9E40B46D}"/>
+          </ac:spMkLst>
+        </pc:spChg>
+        <pc:spChg chg="del">
+          <ac:chgData name="Anderson Harayashiki Moreira" userId="07ffc975ff648281" providerId="LiveId" clId="{37413039-4E80-4A2E-AC95-8ACC4D2A7E49}" dt="2020-07-12T23:52:04.980" v="249" actId="478"/>
+          <ac:spMkLst>
+            <pc:docMk/>
+            <pc:sldMk cId="2608068940" sldId="284"/>
+            <ac:spMk id="4" creationId="{69325A48-9D7A-4696-B0C8-B6078A4DEAEE}"/>
+          </ac:spMkLst>
+        </pc:spChg>
+        <pc:spChg chg="add">
+          <ac:chgData name="Anderson Harayashiki Moreira" userId="07ffc975ff648281" providerId="LiveId" clId="{37413039-4E80-4A2E-AC95-8ACC4D2A7E49}" dt="2020-07-12T23:52:05.630" v="250"/>
+          <ac:spMkLst>
+            <pc:docMk/>
+            <pc:sldMk cId="2608068940" sldId="284"/>
+            <ac:spMk id="8" creationId="{D597244F-741D-4A6E-8B78-DAEC7440E805}"/>
+          </ac:spMkLst>
+        </pc:spChg>
+      </pc:sldChg>
+      <pc:sldChg chg="addSp delSp modSp">
+        <pc:chgData name="Anderson Harayashiki Moreira" userId="07ffc975ff648281" providerId="LiveId" clId="{37413039-4E80-4A2E-AC95-8ACC4D2A7E49}" dt="2020-07-12T23:52:03.102" v="248"/>
+        <pc:sldMkLst>
+          <pc:docMk/>
+          <pc:sldMk cId="2688634444" sldId="285"/>
+        </pc:sldMkLst>
+        <pc:spChg chg="mod">
+          <ac:chgData name="Anderson Harayashiki Moreira" userId="07ffc975ff648281" providerId="LiveId" clId="{37413039-4E80-4A2E-AC95-8ACC4D2A7E49}" dt="2020-07-12T23:51:25.615" v="198" actId="1036"/>
+          <ac:spMkLst>
+            <pc:docMk/>
+            <pc:sldMk cId="2688634444" sldId="285"/>
+            <ac:spMk id="3" creationId="{99A83C9C-A8E8-4312-99AD-EB5886EFC402}"/>
+          </ac:spMkLst>
+        </pc:spChg>
+        <pc:spChg chg="del">
+          <ac:chgData name="Anderson Harayashiki Moreira" userId="07ffc975ff648281" providerId="LiveId" clId="{37413039-4E80-4A2E-AC95-8ACC4D2A7E49}" dt="2020-07-12T23:52:02.327" v="247" actId="478"/>
+          <ac:spMkLst>
+            <pc:docMk/>
+            <pc:sldMk cId="2688634444" sldId="285"/>
+            <ac:spMk id="4" creationId="{7D73271D-6A4E-4703-ACE7-47069DC4FD97}"/>
+          </ac:spMkLst>
+        </pc:spChg>
+        <pc:spChg chg="mod">
+          <ac:chgData name="Anderson Harayashiki Moreira" userId="07ffc975ff648281" providerId="LiveId" clId="{37413039-4E80-4A2E-AC95-8ACC4D2A7E49}" dt="2020-07-12T23:51:14.095" v="188" actId="1036"/>
+          <ac:spMkLst>
+            <pc:docMk/>
+            <pc:sldMk cId="2688634444" sldId="285"/>
+            <ac:spMk id="10" creationId="{E9FD08FC-0622-45A1-8FA4-EF81A7F93D6E}"/>
+          </ac:spMkLst>
+        </pc:spChg>
+        <pc:spChg chg="mod">
+          <ac:chgData name="Anderson Harayashiki Moreira" userId="07ffc975ff648281" providerId="LiveId" clId="{37413039-4E80-4A2E-AC95-8ACC4D2A7E49}" dt="2020-07-12T23:51:08.402" v="168" actId="1035"/>
+          <ac:spMkLst>
+            <pc:docMk/>
+            <pc:sldMk cId="2688634444" sldId="285"/>
+            <ac:spMk id="11" creationId="{5C2B7C94-FC91-4AAB-88B9-70CD0B8DEE34}"/>
+          </ac:spMkLst>
+        </pc:spChg>
+        <pc:spChg chg="mod">
+          <ac:chgData name="Anderson Harayashiki Moreira" userId="07ffc975ff648281" providerId="LiveId" clId="{37413039-4E80-4A2E-AC95-8ACC4D2A7E49}" dt="2020-07-12T23:51:00.734" v="138" actId="1036"/>
+          <ac:spMkLst>
+            <pc:docMk/>
+            <pc:sldMk cId="2688634444" sldId="285"/>
+            <ac:spMk id="12" creationId="{E7B0D0B8-955F-4F09-A746-EEB223CC0AB0}"/>
+          </ac:spMkLst>
+        </pc:spChg>
+        <pc:spChg chg="add">
+          <ac:chgData name="Anderson Harayashiki Moreira" userId="07ffc975ff648281" providerId="LiveId" clId="{37413039-4E80-4A2E-AC95-8ACC4D2A7E49}" dt="2020-07-12T23:52:03.102" v="248"/>
+          <ac:spMkLst>
+            <pc:docMk/>
+            <pc:sldMk cId="2688634444" sldId="285"/>
+            <ac:spMk id="13" creationId="{D283940F-8757-4055-A6EA-3AC86301A1AD}"/>
+          </ac:spMkLst>
+        </pc:spChg>
+        <pc:picChg chg="mod">
+          <ac:chgData name="Anderson Harayashiki Moreira" userId="07ffc975ff648281" providerId="LiveId" clId="{37413039-4E80-4A2E-AC95-8ACC4D2A7E49}" dt="2020-07-12T23:50:54.214" v="125" actId="1036"/>
+          <ac:picMkLst>
+            <pc:docMk/>
+            <pc:sldMk cId="2688634444" sldId="285"/>
+            <ac:picMk id="9" creationId="{BE5CE89F-25D2-4321-B21B-31B161DC788A}"/>
+          </ac:picMkLst>
+        </pc:picChg>
+      </pc:sldChg>
+      <pc:sldChg chg="modSp">
+        <pc:chgData name="Anderson Harayashiki Moreira" userId="07ffc975ff648281" providerId="LiveId" clId="{37413039-4E80-4A2E-AC95-8ACC4D2A7E49}" dt="2020-07-12T23:51:55.029" v="246" actId="20577"/>
+        <pc:sldMkLst>
+          <pc:docMk/>
+          <pc:sldMk cId="3392129947" sldId="288"/>
+        </pc:sldMkLst>
+        <pc:spChg chg="mod">
+          <ac:chgData name="Anderson Harayashiki Moreira" userId="07ffc975ff648281" providerId="LiveId" clId="{37413039-4E80-4A2E-AC95-8ACC4D2A7E49}" dt="2020-07-12T23:51:43.470" v="242" actId="20577"/>
+          <ac:spMkLst>
+            <pc:docMk/>
+            <pc:sldMk cId="3392129947" sldId="288"/>
+            <ac:spMk id="3" creationId="{00000000-0000-0000-0000-000000000000}"/>
+          </ac:spMkLst>
+        </pc:spChg>
+        <pc:spChg chg="mod">
+          <ac:chgData name="Anderson Harayashiki Moreira" userId="07ffc975ff648281" providerId="LiveId" clId="{37413039-4E80-4A2E-AC95-8ACC4D2A7E49}" dt="2020-07-12T23:51:55.029" v="246" actId="20577"/>
+          <ac:spMkLst>
+            <pc:docMk/>
+            <pc:sldMk cId="3392129947" sldId="288"/>
+            <ac:spMk id="4" creationId="{00000000-0000-0000-0000-000000000000}"/>
+          </ac:spMkLst>
+        </pc:spChg>
+      </pc:sldChg>
+    </pc:docChg>
+  </pc:docChgLst>
+</pc:chgInfo>
+</file>
+
 <file path=ppt/handoutMasters/handoutMaster1.xml><?xml version="1.0" encoding="utf-8"?>
 <p:handoutMaster xmlns:a="http://schemas.openxmlformats.org/drawingml/2006/main" xmlns:r="http://schemas.openxmlformats.org/officeDocument/2006/relationships" xmlns:p="http://schemas.openxmlformats.org/presentationml/2006/main">
   <p:cSld>
@@ -217,7 +441,7 @@
           <a:p>
             <a:fld id="{58040048-1E4D-CD41-AC49-0750EB72586B}" type="datetimeFigureOut">
               <a:rPr lang="en-US" smtClean="0"/>
-              <a:t>6/9/2020</a:t>
+              <a:t>7/12/2020</a:t>
             </a:fld>
             <a:endParaRPr lang="en-US" dirty="0"/>
           </a:p>
@@ -383,7 +607,7 @@
           <a:p>
             <a:fld id="{2B8484CF-5098-F24E-8881-583515D5C406}" type="datetimeFigureOut">
               <a:rPr lang="en-US" smtClean="0"/>
-              <a:t>6/9/2020</a:t>
+              <a:t>7/12/2020</a:t>
             </a:fld>
             <a:endParaRPr lang="en-US" dirty="0"/>
           </a:p>
@@ -5598,28 +5822,6 @@
       </p:sp>
       <p:sp>
         <p:nvSpPr>
-          <p:cNvPr id="4" name="Footer Placeholder 3"/>
-          <p:cNvSpPr>
-            <a:spLocks noGrp="1"/>
-          </p:cNvSpPr>
-          <p:nvPr>
-            <p:ph type="ftr" sz="quarter" idx="11"/>
-          </p:nvPr>
-        </p:nvSpPr>
-        <p:spPr/>
-        <p:txBody>
-          <a:bodyPr/>
-          <a:lstStyle/>
-          <a:p>
-            <a:r>
-              <a:rPr lang="en-US" dirty="0"/>
-              <a:t>Copyright © 2020 SPIKE Prime Lessons (primelessons.org) CC-BY-NC-SA.  (Last edit: 1/9/2020)</a:t>
-            </a:r>
-          </a:p>
-        </p:txBody>
-      </p:sp>
-      <p:sp>
-        <p:nvSpPr>
           <p:cNvPr id="7" name="Slide Number Placeholder 6">
             <a:extLst>
               <a:ext uri="{FF2B5EF4-FFF2-40B4-BE49-F238E27FC236}">
@@ -5677,6 +5879,39 @@
           </a:prstGeom>
         </p:spPr>
       </p:pic>
+      <p:sp>
+        <p:nvSpPr>
+          <p:cNvPr id="8" name="Footer Placeholder 3">
+            <a:extLst>
+              <a:ext uri="{FF2B5EF4-FFF2-40B4-BE49-F238E27FC236}">
+                <a16:creationId xmlns:a16="http://schemas.microsoft.com/office/drawing/2014/main" id="{C2590F64-F164-4F61-B998-4DC9B2F7B6BD}"/>
+              </a:ext>
+            </a:extLst>
+          </p:cNvPr>
+          <p:cNvSpPr>
+            <a:spLocks noGrp="1"/>
+          </p:cNvSpPr>
+          <p:nvPr>
+            <p:ph type="ftr" sz="quarter" idx="11"/>
+          </p:nvPr>
+        </p:nvSpPr>
+        <p:spPr>
+          <a:xfrm>
+            <a:off x="88409" y="6321349"/>
+            <a:ext cx="4870585" cy="365125"/>
+          </a:xfrm>
+        </p:spPr>
+        <p:txBody>
+          <a:bodyPr/>
+          <a:lstStyle/>
+          <a:p>
+            <a:r>
+              <a:rPr lang="en-US" dirty="0"/>
+              <a:t>Copyright © 2020 SPIKE Prime Lessons (primelessons.org) CC-BY-NC-SA.  (Last edit: 07/12/2020)</a:t>
+            </a:r>
+          </a:p>
+        </p:txBody>
+      </p:sp>
     </p:spTree>
     <p:extLst>
       <p:ext uri="{BB962C8B-B14F-4D97-AF65-F5344CB8AC3E}">
@@ -5739,34 +5974,6 @@
       </p:sp>
       <p:sp>
         <p:nvSpPr>
-          <p:cNvPr id="4" name="Footer Placeholder 3">
-            <a:extLst>
-              <a:ext uri="{FF2B5EF4-FFF2-40B4-BE49-F238E27FC236}">
-                <a16:creationId xmlns:a16="http://schemas.microsoft.com/office/drawing/2014/main" id="{5D537FE9-7847-4B91-95F5-564B8DEECEDF}"/>
-              </a:ext>
-            </a:extLst>
-          </p:cNvPr>
-          <p:cNvSpPr>
-            <a:spLocks noGrp="1"/>
-          </p:cNvSpPr>
-          <p:nvPr>
-            <p:ph type="ftr" sz="quarter" idx="11"/>
-          </p:nvPr>
-        </p:nvSpPr>
-        <p:spPr/>
-        <p:txBody>
-          <a:bodyPr/>
-          <a:lstStyle/>
-          <a:p>
-            <a:r>
-              <a:rPr lang="en-US" dirty="0"/>
-              <a:t>Copyright © 2020 SPIKE Prime Lessons (primelessons.org) CC-BY-NC-SA.  (Last edit: 1/9/2020)</a:t>
-            </a:r>
-          </a:p>
-        </p:txBody>
-      </p:sp>
-      <p:sp>
-        <p:nvSpPr>
           <p:cNvPr id="5" name="Slide Number Placeholder 4">
             <a:extLst>
               <a:ext uri="{FF2B5EF4-FFF2-40B4-BE49-F238E27FC236}">
@@ -6067,7 +6274,7 @@
             <a:pPr lvl="1"/>
             <a:r>
               <a:rPr lang="pt-BR" dirty="0"/>
-              <a:t>Mensurar força</a:t>
+              <a:t>Medir força</a:t>
             </a:r>
           </a:p>
           <a:p>
@@ -6138,6 +6345,39 @@
           </a:prstGeom>
         </p:spPr>
       </p:pic>
+      <p:sp>
+        <p:nvSpPr>
+          <p:cNvPr id="9" name="Footer Placeholder 3">
+            <a:extLst>
+              <a:ext uri="{FF2B5EF4-FFF2-40B4-BE49-F238E27FC236}">
+                <a16:creationId xmlns:a16="http://schemas.microsoft.com/office/drawing/2014/main" id="{41A13F4F-E86D-4E08-81F9-C92C692167F0}"/>
+              </a:ext>
+            </a:extLst>
+          </p:cNvPr>
+          <p:cNvSpPr>
+            <a:spLocks noGrp="1"/>
+          </p:cNvSpPr>
+          <p:nvPr>
+            <p:ph type="ftr" sz="quarter" idx="11"/>
+          </p:nvPr>
+        </p:nvSpPr>
+        <p:spPr>
+          <a:xfrm>
+            <a:off x="88409" y="6321349"/>
+            <a:ext cx="4870585" cy="365125"/>
+          </a:xfrm>
+        </p:spPr>
+        <p:txBody>
+          <a:bodyPr/>
+          <a:lstStyle/>
+          <a:p>
+            <a:r>
+              <a:rPr lang="en-US" dirty="0"/>
+              <a:t>Copyright © 2020 SPIKE Prime Lessons (primelessons.org) CC-BY-NC-SA.  (Last edit: 07/12/2020)</a:t>
+            </a:r>
+          </a:p>
+        </p:txBody>
+      </p:sp>
     </p:spTree>
     <p:extLst>
       <p:ext uri="{BB962C8B-B14F-4D97-AF65-F5344CB8AC3E}">
@@ -6226,58 +6466,31 @@
           </a:bodyPr>
           <a:lstStyle/>
           <a:p>
+            <a:pPr algn="just"/>
             <a:r>
               <a:rPr lang="pt-BR" dirty="0"/>
               <a:t>Os três modos são:</a:t>
             </a:r>
           </a:p>
           <a:p>
-            <a:pPr lvl="1"/>
+            <a:pPr lvl="1" algn="just"/>
             <a:r>
               <a:rPr lang="pt-BR" dirty="0"/>
               <a:t>Pressionado – até um pressionar suave é detectado</a:t>
             </a:r>
           </a:p>
           <a:p>
-            <a:pPr lvl="1"/>
+            <a:pPr lvl="1" algn="just"/>
             <a:r>
               <a:rPr lang="pt-BR" dirty="0"/>
-              <a:t>Pressionado com força – Requer pressionar o sensor por volta de 60% para dentro</a:t>
-            </a:r>
-          </a:p>
-          <a:p>
-            <a:pPr lvl="1"/>
+              <a:t>Pressionado com força – Requer pressionar o sensor por volta de 60% do curso total</a:t>
+            </a:r>
+          </a:p>
+          <a:p>
+            <a:pPr lvl="1" algn="just"/>
             <a:r>
               <a:rPr lang="pt-BR" dirty="0"/>
-              <a:t>Solto – segure o sensor para dentro e depois qualquer liberação será detectada.</a:t>
-            </a:r>
-          </a:p>
-        </p:txBody>
-      </p:sp>
-      <p:sp>
-        <p:nvSpPr>
-          <p:cNvPr id="4" name="Footer Placeholder 3">
-            <a:extLst>
-              <a:ext uri="{FF2B5EF4-FFF2-40B4-BE49-F238E27FC236}">
-                <a16:creationId xmlns:a16="http://schemas.microsoft.com/office/drawing/2014/main" id="{0CED42F2-83E1-4B1D-AF71-E324E7695CA8}"/>
-              </a:ext>
-            </a:extLst>
-          </p:cNvPr>
-          <p:cNvSpPr>
-            <a:spLocks noGrp="1"/>
-          </p:cNvSpPr>
-          <p:nvPr>
-            <p:ph type="ftr" sz="quarter" idx="11"/>
-          </p:nvPr>
-        </p:nvSpPr>
-        <p:spPr/>
-        <p:txBody>
-          <a:bodyPr/>
-          <a:lstStyle/>
-          <a:p>
-            <a:r>
-              <a:rPr lang="en-US" dirty="0"/>
-              <a:t>Copyright © 2020 SPIKE Prime Lessons (primelessons.org) CC-BY-NC-SA.  (Last edit: 1/9/2020)</a:t>
+              <a:t>Solto – mantenha o sensor totalmente pressionado, qualquer liberação será detectada.</a:t>
             </a:r>
           </a:p>
         </p:txBody>
@@ -6341,6 +6554,39 @@
           </a:prstGeom>
         </p:spPr>
       </p:pic>
+      <p:sp>
+        <p:nvSpPr>
+          <p:cNvPr id="7" name="Footer Placeholder 3">
+            <a:extLst>
+              <a:ext uri="{FF2B5EF4-FFF2-40B4-BE49-F238E27FC236}">
+                <a16:creationId xmlns:a16="http://schemas.microsoft.com/office/drawing/2014/main" id="{384928D4-A59C-4528-96DC-418825842B7F}"/>
+              </a:ext>
+            </a:extLst>
+          </p:cNvPr>
+          <p:cNvSpPr>
+            <a:spLocks noGrp="1"/>
+          </p:cNvSpPr>
+          <p:nvPr>
+            <p:ph type="ftr" sz="quarter" idx="11"/>
+          </p:nvPr>
+        </p:nvSpPr>
+        <p:spPr>
+          <a:xfrm>
+            <a:off x="88409" y="6321349"/>
+            <a:ext cx="4870585" cy="365125"/>
+          </a:xfrm>
+        </p:spPr>
+        <p:txBody>
+          <a:bodyPr/>
+          <a:lstStyle/>
+          <a:p>
+            <a:r>
+              <a:rPr lang="en-US" dirty="0"/>
+              <a:t>Copyright © 2020 SPIKE Prime Lessons (primelessons.org) CC-BY-NC-SA.  (Last edit: 07/12/2020)</a:t>
+            </a:r>
+          </a:p>
+        </p:txBody>
+      </p:sp>
     </p:spTree>
     <p:extLst>
       <p:ext uri="{BB962C8B-B14F-4D97-AF65-F5344CB8AC3E}">
@@ -6438,7 +6684,7 @@
           <a:p>
             <a:r>
               <a:rPr lang="pt-BR" dirty="0"/>
-              <a:t>Você irá usar o bloco Espere até que neste desafio.</a:t>
+              <a:t>Você irá usar o bloco “Espere até que” neste desafio.</a:t>
             </a:r>
           </a:p>
           <a:p>
@@ -6520,34 +6766,6 @@
             <a:r>
               <a:rPr lang="pt-BR" b="1" dirty="0"/>
               <a:t>Pare de se mover</a:t>
-            </a:r>
-          </a:p>
-        </p:txBody>
-      </p:sp>
-      <p:sp>
-        <p:nvSpPr>
-          <p:cNvPr id="4" name="Footer Placeholder 3">
-            <a:extLst>
-              <a:ext uri="{FF2B5EF4-FFF2-40B4-BE49-F238E27FC236}">
-                <a16:creationId xmlns:a16="http://schemas.microsoft.com/office/drawing/2014/main" id="{69325A48-9D7A-4696-B0C8-B6078A4DEAEE}"/>
-              </a:ext>
-            </a:extLst>
-          </p:cNvPr>
-          <p:cNvSpPr>
-            <a:spLocks noGrp="1"/>
-          </p:cNvSpPr>
-          <p:nvPr>
-            <p:ph type="ftr" sz="quarter" idx="11"/>
-          </p:nvPr>
-        </p:nvSpPr>
-        <p:spPr/>
-        <p:txBody>
-          <a:bodyPr/>
-          <a:lstStyle/>
-          <a:p>
-            <a:r>
-              <a:rPr lang="en-US" dirty="0"/>
-              <a:t>Copyright © 2020 SPIKE Prime Lessons (primelessons.org) CC-BY-NC-SA.  (Last edit: 1/9/2020)</a:t>
             </a:r>
           </a:p>
         </p:txBody>
@@ -6611,6 +6829,39 @@
           </a:prstGeom>
         </p:spPr>
       </p:pic>
+      <p:sp>
+        <p:nvSpPr>
+          <p:cNvPr id="8" name="Footer Placeholder 3">
+            <a:extLst>
+              <a:ext uri="{FF2B5EF4-FFF2-40B4-BE49-F238E27FC236}">
+                <a16:creationId xmlns:a16="http://schemas.microsoft.com/office/drawing/2014/main" id="{D597244F-741D-4A6E-8B78-DAEC7440E805}"/>
+              </a:ext>
+            </a:extLst>
+          </p:cNvPr>
+          <p:cNvSpPr>
+            <a:spLocks noGrp="1"/>
+          </p:cNvSpPr>
+          <p:nvPr>
+            <p:ph type="ftr" sz="quarter" idx="11"/>
+          </p:nvPr>
+        </p:nvSpPr>
+        <p:spPr>
+          <a:xfrm>
+            <a:off x="88409" y="6321349"/>
+            <a:ext cx="4870585" cy="365125"/>
+          </a:xfrm>
+        </p:spPr>
+        <p:txBody>
+          <a:bodyPr/>
+          <a:lstStyle/>
+          <a:p>
+            <a:r>
+              <a:rPr lang="en-US" dirty="0"/>
+              <a:t>Copyright © 2020 SPIKE Prime Lessons (primelessons.org) CC-BY-NC-SA.  (Last edit: 07/12/2020)</a:t>
+            </a:r>
+          </a:p>
+        </p:txBody>
+      </p:sp>
     </p:spTree>
     <p:extLst>
       <p:ext uri="{BB962C8B-B14F-4D97-AF65-F5344CB8AC3E}">
@@ -6663,7 +6914,7 @@
         </p:blipFill>
         <p:spPr>
           <a:xfrm>
-            <a:off x="384808" y="1867294"/>
+            <a:off x="384808" y="2425603"/>
             <a:ext cx="4574186" cy="3427557"/>
           </a:xfrm>
           <a:prstGeom prst="rect">
@@ -6697,34 +6948,6 @@
             <a:r>
               <a:rPr lang="en-US" dirty="0"/>
               <a:t>Desafio 1: solução</a:t>
-            </a:r>
-          </a:p>
-        </p:txBody>
-      </p:sp>
-      <p:sp>
-        <p:nvSpPr>
-          <p:cNvPr id="4" name="Footer Placeholder 3">
-            <a:extLst>
-              <a:ext uri="{FF2B5EF4-FFF2-40B4-BE49-F238E27FC236}">
-                <a16:creationId xmlns:a16="http://schemas.microsoft.com/office/drawing/2014/main" id="{7D73271D-6A4E-4703-ACE7-47069DC4FD97}"/>
-              </a:ext>
-            </a:extLst>
-          </p:cNvPr>
-          <p:cNvSpPr>
-            <a:spLocks noGrp="1"/>
-          </p:cNvSpPr>
-          <p:nvPr>
-            <p:ph type="ftr" sz="quarter" idx="11"/>
-          </p:nvPr>
-        </p:nvSpPr>
-        <p:spPr/>
-        <p:txBody>
-          <a:bodyPr/>
-          <a:lstStyle/>
-          <a:p>
-            <a:r>
-              <a:rPr lang="en-US" dirty="0"/>
-              <a:t>Copyright © 2020 SPIKE Prime Lessons (primelessons.org) CC-BY-NC-SA.  (Last edit: 1/9/2020)</a:t>
             </a:r>
           </a:p>
         </p:txBody>
@@ -6772,8 +6995,8 @@
         </p:nvSpPr>
         <p:spPr>
           <a:xfrm>
-            <a:off x="175260" y="1045681"/>
-            <a:ext cx="8325640" cy="923330"/>
+            <a:off x="175260" y="1111621"/>
+            <a:ext cx="8746864" cy="923330"/>
           </a:xfrm>
           <a:prstGeom prst="rect">
             <a:avLst/>
@@ -6785,9 +7008,10 @@
           </a:bodyPr>
           <a:lstStyle/>
           <a:p>
+            <a:pPr algn="just"/>
             <a:r>
               <a:rPr lang="pt-BR" dirty="0"/>
-              <a:t>Nas lições anteriores, você aprendeu a configurar o seu robô. O primeiro conjunto de blocos define os motores de movimentação, para mais detalhes veja a lição configurando o seu robô.</a:t>
+              <a:t>Nas lições anteriores, você aprendeu a configurar o seu robô. O primeiro conjunto de blocos define os motores de movimentação (para mais detalhes veja a lição Configurando o Seu Robô).</a:t>
             </a:r>
           </a:p>
         </p:txBody>
@@ -6806,7 +7030,7 @@
         </p:nvSpPr>
         <p:spPr>
           <a:xfrm>
-            <a:off x="4350619" y="2626177"/>
+            <a:off x="4350619" y="3360330"/>
             <a:ext cx="3696101" cy="369332"/>
           </a:xfrm>
           <a:prstGeom prst="rect">
@@ -6841,7 +7065,7 @@
         </p:nvSpPr>
         <p:spPr>
           <a:xfrm>
-            <a:off x="4503018" y="3217212"/>
+            <a:off x="4503018" y="3964549"/>
             <a:ext cx="3696101" cy="369332"/>
           </a:xfrm>
           <a:prstGeom prst="rect">
@@ -6876,7 +7100,7 @@
         </p:nvSpPr>
         <p:spPr>
           <a:xfrm>
-            <a:off x="5005552" y="3797260"/>
+            <a:off x="5005552" y="4434697"/>
             <a:ext cx="3853776" cy="646331"/>
           </a:xfrm>
           <a:prstGeom prst="rect">
@@ -6893,6 +7117,39 @@
             <a:r>
               <a:rPr lang="en-US" dirty="0"/>
               <a:t>Espera até que o Sensor de Força seja pressionado.</a:t>
+            </a:r>
+          </a:p>
+        </p:txBody>
+      </p:sp>
+      <p:sp>
+        <p:nvSpPr>
+          <p:cNvPr id="13" name="Footer Placeholder 3">
+            <a:extLst>
+              <a:ext uri="{FF2B5EF4-FFF2-40B4-BE49-F238E27FC236}">
+                <a16:creationId xmlns:a16="http://schemas.microsoft.com/office/drawing/2014/main" id="{D283940F-8757-4055-A6EA-3AC86301A1AD}"/>
+              </a:ext>
+            </a:extLst>
+          </p:cNvPr>
+          <p:cNvSpPr>
+            <a:spLocks noGrp="1"/>
+          </p:cNvSpPr>
+          <p:nvPr>
+            <p:ph type="ftr" sz="quarter" idx="11"/>
+          </p:nvPr>
+        </p:nvSpPr>
+        <p:spPr>
+          <a:xfrm>
+            <a:off x="88409" y="6321349"/>
+            <a:ext cx="4870585" cy="365125"/>
+          </a:xfrm>
+        </p:spPr>
+        <p:txBody>
+          <a:bodyPr/>
+          <a:lstStyle/>
+          <a:p>
+            <a:r>
+              <a:rPr lang="en-US" dirty="0"/>
+              <a:t>Copyright © 2020 SPIKE Prime Lessons (primelessons.org) CC-BY-NC-SA.  (Last edit: 07/12/2020)</a:t>
             </a:r>
           </a:p>
         </p:txBody>
@@ -6992,7 +7249,15 @@
           <a:p>
             <a:r>
               <a:rPr lang="pt-BR" sz="1600" dirty="0"/>
-              <a:t>Traduzido para o português por Lucas Colonna</a:t>
+              <a:t>Traduzido para o português por Lucas </a:t>
+            </a:r>
+            <a:r>
+              <a:rPr lang="pt-BR" sz="1600" dirty="0" err="1"/>
+              <a:t>Colonna</a:t>
+            </a:r>
+            <a:r>
+              <a:rPr lang="pt-BR" sz="1600" dirty="0"/>
+              <a:t> e revisado por Anderson Harayashiki Moreira</a:t>
             </a:r>
           </a:p>
         </p:txBody>
@@ -7014,7 +7279,7 @@
           <a:p>
             <a:r>
               <a:rPr lang="en-US" dirty="0"/>
-              <a:t>Copyright © 2020 SPIKE Prime Lessons (primelessons.org) CC-BY-NC-SA.  (Last edit: 1/9/2020)</a:t>
+              <a:t>Copyright © 2020 SPIKE Prime Lessons (primelessons.org) CC-BY-NC-SA.  (Last edit: 07/12/2020)</a:t>
             </a:r>
           </a:p>
         </p:txBody>
@@ -7044,7 +7309,7 @@
           <a:effectLst/>
           <a:extLst>
             <a:ext uri="{91240B29-F687-4f45-9708-019B960494DF}">
-              <a14:hiddenLine xmlns:a14="http://schemas.microsoft.com/office/drawing/2010/main" xmlns="" w="9525">
+              <a14:hiddenLine xmlns="" xmlns:a14="http://schemas.microsoft.com/office/drawing/2010/main" w="9525">
                 <a:solidFill>
                   <a:schemeClr val="tx1"/>
                 </a:solidFill>
@@ -7054,7 +7319,7 @@
               </a14:hiddenLine>
             </a:ext>
             <a:ext uri="{AF507438-7753-43e0-B8FC-AC1667EBCBE1}">
-              <a14:hiddenEffects xmlns:a14="http://schemas.microsoft.com/office/drawing/2010/main" xmlns="">
+              <a14:hiddenEffects xmlns="" xmlns:a14="http://schemas.microsoft.com/office/drawing/2010/main">
                 <a:effectLst>
                   <a:outerShdw dist="35921" dir="2700000" algn="ctr" rotWithShape="0">
                     <a:schemeClr val="bg2"/>
@@ -7339,7 +7604,7 @@
           <a:noFill/>
           <a:extLst>
             <a:ext uri="{909E8E84-426E-40dd-AFC4-6F175D3DCCD1}">
-              <a14:hiddenFill xmlns:a14="http://schemas.microsoft.com/office/drawing/2010/main" xmlns="">
+              <a14:hiddenFill xmlns="" xmlns:a14="http://schemas.microsoft.com/office/drawing/2010/main">
                 <a:solidFill>
                   <a:srgbClr val="FFFFFF"/>
                 </a:solidFill>
